--- a/OOD_method.pptx
+++ b/OOD_method.pptx
@@ -243,7 +243,7 @@
           <a:p>
             <a:fld id="{77283195-FBBB-4327-80FB-E25E8F52F9D9}" type="datetimeFigureOut">
               <a:rPr lang="en-US" smtClean="0"/>
-              <a:t>11/13/2024</a:t>
+              <a:t>11/14/2024</a:t>
             </a:fld>
             <a:endParaRPr lang="en-US"/>
           </a:p>
@@ -413,7 +413,7 @@
           <a:p>
             <a:fld id="{77283195-FBBB-4327-80FB-E25E8F52F9D9}" type="datetimeFigureOut">
               <a:rPr lang="en-US" smtClean="0"/>
-              <a:t>11/13/2024</a:t>
+              <a:t>11/14/2024</a:t>
             </a:fld>
             <a:endParaRPr lang="en-US"/>
           </a:p>
@@ -593,7 +593,7 @@
           <a:p>
             <a:fld id="{77283195-FBBB-4327-80FB-E25E8F52F9D9}" type="datetimeFigureOut">
               <a:rPr lang="en-US" smtClean="0"/>
-              <a:t>11/13/2024</a:t>
+              <a:t>11/14/2024</a:t>
             </a:fld>
             <a:endParaRPr lang="en-US"/>
           </a:p>
@@ -763,7 +763,7 @@
           <a:p>
             <a:fld id="{77283195-FBBB-4327-80FB-E25E8F52F9D9}" type="datetimeFigureOut">
               <a:rPr lang="en-US" smtClean="0"/>
-              <a:t>11/13/2024</a:t>
+              <a:t>11/14/2024</a:t>
             </a:fld>
             <a:endParaRPr lang="en-US"/>
           </a:p>
@@ -1009,7 +1009,7 @@
           <a:p>
             <a:fld id="{77283195-FBBB-4327-80FB-E25E8F52F9D9}" type="datetimeFigureOut">
               <a:rPr lang="en-US" smtClean="0"/>
-              <a:t>11/13/2024</a:t>
+              <a:t>11/14/2024</a:t>
             </a:fld>
             <a:endParaRPr lang="en-US"/>
           </a:p>
@@ -1241,7 +1241,7 @@
           <a:p>
             <a:fld id="{77283195-FBBB-4327-80FB-E25E8F52F9D9}" type="datetimeFigureOut">
               <a:rPr lang="en-US" smtClean="0"/>
-              <a:t>11/13/2024</a:t>
+              <a:t>11/14/2024</a:t>
             </a:fld>
             <a:endParaRPr lang="en-US"/>
           </a:p>
@@ -1608,7 +1608,7 @@
           <a:p>
             <a:fld id="{77283195-FBBB-4327-80FB-E25E8F52F9D9}" type="datetimeFigureOut">
               <a:rPr lang="en-US" smtClean="0"/>
-              <a:t>11/13/2024</a:t>
+              <a:t>11/14/2024</a:t>
             </a:fld>
             <a:endParaRPr lang="en-US"/>
           </a:p>
@@ -1726,7 +1726,7 @@
           <a:p>
             <a:fld id="{77283195-FBBB-4327-80FB-E25E8F52F9D9}" type="datetimeFigureOut">
               <a:rPr lang="en-US" smtClean="0"/>
-              <a:t>11/13/2024</a:t>
+              <a:t>11/14/2024</a:t>
             </a:fld>
             <a:endParaRPr lang="en-US"/>
           </a:p>
@@ -1821,7 +1821,7 @@
           <a:p>
             <a:fld id="{77283195-FBBB-4327-80FB-E25E8F52F9D9}" type="datetimeFigureOut">
               <a:rPr lang="en-US" smtClean="0"/>
-              <a:t>11/13/2024</a:t>
+              <a:t>11/14/2024</a:t>
             </a:fld>
             <a:endParaRPr lang="en-US"/>
           </a:p>
@@ -2098,7 +2098,7 @@
           <a:p>
             <a:fld id="{77283195-FBBB-4327-80FB-E25E8F52F9D9}" type="datetimeFigureOut">
               <a:rPr lang="en-US" smtClean="0"/>
-              <a:t>11/13/2024</a:t>
+              <a:t>11/14/2024</a:t>
             </a:fld>
             <a:endParaRPr lang="en-US"/>
           </a:p>
@@ -2355,7 +2355,7 @@
           <a:p>
             <a:fld id="{77283195-FBBB-4327-80FB-E25E8F52F9D9}" type="datetimeFigureOut">
               <a:rPr lang="en-US" smtClean="0"/>
-              <a:t>11/13/2024</a:t>
+              <a:t>11/14/2024</a:t>
             </a:fld>
             <a:endParaRPr lang="en-US"/>
           </a:p>
@@ -2568,7 +2568,7 @@
           <a:p>
             <a:fld id="{77283195-FBBB-4327-80FB-E25E8F52F9D9}" type="datetimeFigureOut">
               <a:rPr lang="en-US" smtClean="0"/>
-              <a:t>11/13/2024</a:t>
+              <a:t>11/14/2024</a:t>
             </a:fld>
             <a:endParaRPr lang="en-US"/>
           </a:p>
@@ -5744,8 +5744,8 @@
         </p:nvSpPr>
         <p:spPr>
           <a:xfrm>
-            <a:off x="4636823" y="3910495"/>
-            <a:ext cx="620581" cy="461665"/>
+            <a:off x="4663440" y="3931920"/>
+            <a:ext cx="839937" cy="430887"/>
           </a:xfrm>
           <a:prstGeom prst="rect">
             <a:avLst/>
@@ -5760,8 +5760,11 @@
           <a:p>
             <a:pPr algn="ctr"/>
             <a:r>
-              <a:rPr lang="en-US" sz="2400" b="1" dirty="0"/>
-              <a:t>(a)</a:t>
+              <a:rPr lang="en-US" sz="2200" b="1" dirty="0">
+                <a:latin typeface="MS Gothic" panose="020B0609070205080204" pitchFamily="49" charset="-128"/>
+                <a:ea typeface="MS Gothic" panose="020B0609070205080204" pitchFamily="49" charset="-128"/>
+              </a:rPr>
+              <a:t>(Ⅰ)</a:t>
             </a:r>
           </a:p>
         </p:txBody>
@@ -9082,420 +9085,6 @@
         </p:sp>
         <p:sp>
           <p:nvSpPr>
-            <p:cNvPr id="258" name="Freeform: Shape 257">
-              <a:extLst>
-                <a:ext uri="{FF2B5EF4-FFF2-40B4-BE49-F238E27FC236}">
-                  <a16:creationId xmlns:a16="http://schemas.microsoft.com/office/drawing/2014/main" id="{741942A7-6780-5BE6-A2BA-CCE7037C28FE}"/>
-                </a:ext>
-              </a:extLst>
-            </p:cNvPr>
-            <p:cNvSpPr/>
-            <p:nvPr/>
-          </p:nvSpPr>
-          <p:spPr>
-            <a:xfrm>
-              <a:off x="7238636" y="231129"/>
-              <a:ext cx="2606223" cy="1914069"/>
-            </a:xfrm>
-            <a:custGeom>
-              <a:avLst/>
-              <a:gdLst>
-                <a:gd name="connsiteX0" fmla="*/ 1886575 w 2606223"/>
-                <a:gd name="connsiteY0" fmla="*/ 1265731 h 1914069"/>
-                <a:gd name="connsiteX1" fmla="*/ 1498268 w 2606223"/>
-                <a:gd name="connsiteY1" fmla="*/ 1622723 h 1914069"/>
-                <a:gd name="connsiteX2" fmla="*/ 1316641 w 2606223"/>
-                <a:gd name="connsiteY2" fmla="*/ 1760509 h 1914069"/>
-                <a:gd name="connsiteX3" fmla="*/ 1185117 w 2606223"/>
-                <a:gd name="connsiteY3" fmla="*/ 1848192 h 1914069"/>
-                <a:gd name="connsiteX4" fmla="*/ 997227 w 2606223"/>
-                <a:gd name="connsiteY4" fmla="*/ 1898296 h 1914069"/>
-                <a:gd name="connsiteX5" fmla="*/ 721654 w 2606223"/>
-                <a:gd name="connsiteY5" fmla="*/ 1910822 h 1914069"/>
-                <a:gd name="connsiteX6" fmla="*/ 464871 w 2606223"/>
-                <a:gd name="connsiteY6" fmla="*/ 1910822 h 1914069"/>
-                <a:gd name="connsiteX7" fmla="*/ 276980 w 2606223"/>
-                <a:gd name="connsiteY7" fmla="*/ 1910822 h 1914069"/>
-                <a:gd name="connsiteX8" fmla="*/ 139194 w 2606223"/>
-                <a:gd name="connsiteY8" fmla="*/ 1866981 h 1914069"/>
-                <a:gd name="connsiteX9" fmla="*/ 70301 w 2606223"/>
-                <a:gd name="connsiteY9" fmla="*/ 1760509 h 1914069"/>
-                <a:gd name="connsiteX10" fmla="*/ 51512 w 2606223"/>
-                <a:gd name="connsiteY10" fmla="*/ 1635249 h 1914069"/>
-                <a:gd name="connsiteX11" fmla="*/ 57775 w 2606223"/>
-                <a:gd name="connsiteY11" fmla="*/ 1334624 h 1914069"/>
-                <a:gd name="connsiteX12" fmla="*/ 45249 w 2606223"/>
-                <a:gd name="connsiteY12" fmla="*/ 1077841 h 1914069"/>
-                <a:gd name="connsiteX13" fmla="*/ 26460 w 2606223"/>
-                <a:gd name="connsiteY13" fmla="*/ 946318 h 1914069"/>
-                <a:gd name="connsiteX14" fmla="*/ 1408 w 2606223"/>
-                <a:gd name="connsiteY14" fmla="*/ 752164 h 1914069"/>
-                <a:gd name="connsiteX15" fmla="*/ 7671 w 2606223"/>
-                <a:gd name="connsiteY15" fmla="*/ 608115 h 1914069"/>
-                <a:gd name="connsiteX16" fmla="*/ 45249 w 2606223"/>
-                <a:gd name="connsiteY16" fmla="*/ 476592 h 1914069"/>
-                <a:gd name="connsiteX17" fmla="*/ 126668 w 2606223"/>
-                <a:gd name="connsiteY17" fmla="*/ 326279 h 1914069"/>
-                <a:gd name="connsiteX18" fmla="*/ 270717 w 2606223"/>
-                <a:gd name="connsiteY18" fmla="*/ 163441 h 1914069"/>
-                <a:gd name="connsiteX19" fmla="*/ 458608 w 2606223"/>
-                <a:gd name="connsiteY19" fmla="*/ 69496 h 1914069"/>
-                <a:gd name="connsiteX20" fmla="*/ 677813 w 2606223"/>
-                <a:gd name="connsiteY20" fmla="*/ 13129 h 1914069"/>
-                <a:gd name="connsiteX21" fmla="*/ 1066120 w 2606223"/>
-                <a:gd name="connsiteY21" fmla="*/ 603 h 1914069"/>
-                <a:gd name="connsiteX22" fmla="*/ 1398060 w 2606223"/>
-                <a:gd name="connsiteY22" fmla="*/ 25655 h 1914069"/>
-                <a:gd name="connsiteX23" fmla="*/ 1667369 w 2606223"/>
-                <a:gd name="connsiteY23" fmla="*/ 44444 h 1914069"/>
-                <a:gd name="connsiteX24" fmla="*/ 2036887 w 2606223"/>
-                <a:gd name="connsiteY24" fmla="*/ 94548 h 1914069"/>
-                <a:gd name="connsiteX25" fmla="*/ 2368827 w 2606223"/>
-                <a:gd name="connsiteY25" fmla="*/ 150915 h 1914069"/>
-                <a:gd name="connsiteX26" fmla="*/ 2494087 w 2606223"/>
-                <a:gd name="connsiteY26" fmla="*/ 207282 h 1914069"/>
-                <a:gd name="connsiteX27" fmla="*/ 2562980 w 2606223"/>
-                <a:gd name="connsiteY27" fmla="*/ 257386 h 1914069"/>
-                <a:gd name="connsiteX28" fmla="*/ 2594296 w 2606223"/>
-                <a:gd name="connsiteY28" fmla="*/ 332542 h 1914069"/>
-                <a:gd name="connsiteX29" fmla="*/ 2594296 w 2606223"/>
-                <a:gd name="connsiteY29" fmla="*/ 451539 h 1914069"/>
-                <a:gd name="connsiteX30" fmla="*/ 2450246 w 2606223"/>
-                <a:gd name="connsiteY30" fmla="*/ 651956 h 1914069"/>
-                <a:gd name="connsiteX31" fmla="*/ 2205989 w 2606223"/>
-                <a:gd name="connsiteY31" fmla="*/ 915003 h 1914069"/>
-                <a:gd name="connsiteX32" fmla="*/ 2068202 w 2606223"/>
-                <a:gd name="connsiteY32" fmla="*/ 1065315 h 1914069"/>
-                <a:gd name="connsiteX33" fmla="*/ 1974257 w 2606223"/>
-                <a:gd name="connsiteY33" fmla="*/ 1178049 h 1914069"/>
-                <a:gd name="connsiteX34" fmla="*/ 1886575 w 2606223"/>
-                <a:gd name="connsiteY34" fmla="*/ 1265731 h 1914069"/>
-              </a:gdLst>
-              <a:ahLst/>
-              <a:cxnLst>
-                <a:cxn ang="0">
-                  <a:pos x="connsiteX0" y="connsiteY0"/>
-                </a:cxn>
-                <a:cxn ang="0">
-                  <a:pos x="connsiteX1" y="connsiteY1"/>
-                </a:cxn>
-                <a:cxn ang="0">
-                  <a:pos x="connsiteX2" y="connsiteY2"/>
-                </a:cxn>
-                <a:cxn ang="0">
-                  <a:pos x="connsiteX3" y="connsiteY3"/>
-                </a:cxn>
-                <a:cxn ang="0">
-                  <a:pos x="connsiteX4" y="connsiteY4"/>
-                </a:cxn>
-                <a:cxn ang="0">
-                  <a:pos x="connsiteX5" y="connsiteY5"/>
-                </a:cxn>
-                <a:cxn ang="0">
-                  <a:pos x="connsiteX6" y="connsiteY6"/>
-                </a:cxn>
-                <a:cxn ang="0">
-                  <a:pos x="connsiteX7" y="connsiteY7"/>
-                </a:cxn>
-                <a:cxn ang="0">
-                  <a:pos x="connsiteX8" y="connsiteY8"/>
-                </a:cxn>
-                <a:cxn ang="0">
-                  <a:pos x="connsiteX9" y="connsiteY9"/>
-                </a:cxn>
-                <a:cxn ang="0">
-                  <a:pos x="connsiteX10" y="connsiteY10"/>
-                </a:cxn>
-                <a:cxn ang="0">
-                  <a:pos x="connsiteX11" y="connsiteY11"/>
-                </a:cxn>
-                <a:cxn ang="0">
-                  <a:pos x="connsiteX12" y="connsiteY12"/>
-                </a:cxn>
-                <a:cxn ang="0">
-                  <a:pos x="connsiteX13" y="connsiteY13"/>
-                </a:cxn>
-                <a:cxn ang="0">
-                  <a:pos x="connsiteX14" y="connsiteY14"/>
-                </a:cxn>
-                <a:cxn ang="0">
-                  <a:pos x="connsiteX15" y="connsiteY15"/>
-                </a:cxn>
-                <a:cxn ang="0">
-                  <a:pos x="connsiteX16" y="connsiteY16"/>
-                </a:cxn>
-                <a:cxn ang="0">
-                  <a:pos x="connsiteX17" y="connsiteY17"/>
-                </a:cxn>
-                <a:cxn ang="0">
-                  <a:pos x="connsiteX18" y="connsiteY18"/>
-                </a:cxn>
-                <a:cxn ang="0">
-                  <a:pos x="connsiteX19" y="connsiteY19"/>
-                </a:cxn>
-                <a:cxn ang="0">
-                  <a:pos x="connsiteX20" y="connsiteY20"/>
-                </a:cxn>
-                <a:cxn ang="0">
-                  <a:pos x="connsiteX21" y="connsiteY21"/>
-                </a:cxn>
-                <a:cxn ang="0">
-                  <a:pos x="connsiteX22" y="connsiteY22"/>
-                </a:cxn>
-                <a:cxn ang="0">
-                  <a:pos x="connsiteX23" y="connsiteY23"/>
-                </a:cxn>
-                <a:cxn ang="0">
-                  <a:pos x="connsiteX24" y="connsiteY24"/>
-                </a:cxn>
-                <a:cxn ang="0">
-                  <a:pos x="connsiteX25" y="connsiteY25"/>
-                </a:cxn>
-                <a:cxn ang="0">
-                  <a:pos x="connsiteX26" y="connsiteY26"/>
-                </a:cxn>
-                <a:cxn ang="0">
-                  <a:pos x="connsiteX27" y="connsiteY27"/>
-                </a:cxn>
-                <a:cxn ang="0">
-                  <a:pos x="connsiteX28" y="connsiteY28"/>
-                </a:cxn>
-                <a:cxn ang="0">
-                  <a:pos x="connsiteX29" y="connsiteY29"/>
-                </a:cxn>
-                <a:cxn ang="0">
-                  <a:pos x="connsiteX30" y="connsiteY30"/>
-                </a:cxn>
-                <a:cxn ang="0">
-                  <a:pos x="connsiteX31" y="connsiteY31"/>
-                </a:cxn>
-                <a:cxn ang="0">
-                  <a:pos x="connsiteX32" y="connsiteY32"/>
-                </a:cxn>
-                <a:cxn ang="0">
-                  <a:pos x="connsiteX33" y="connsiteY33"/>
-                </a:cxn>
-                <a:cxn ang="0">
-                  <a:pos x="connsiteX34" y="connsiteY34"/>
-                </a:cxn>
-              </a:cxnLst>
-              <a:rect l="l" t="t" r="r" b="b"/>
-              <a:pathLst>
-                <a:path w="2606223" h="1914069">
-                  <a:moveTo>
-                    <a:pt x="1886575" y="1265731"/>
-                  </a:moveTo>
-                  <a:cubicBezTo>
-                    <a:pt x="1807244" y="1339843"/>
-                    <a:pt x="1593257" y="1540260"/>
-                    <a:pt x="1498268" y="1622723"/>
-                  </a:cubicBezTo>
-                  <a:cubicBezTo>
-                    <a:pt x="1403279" y="1705186"/>
-                    <a:pt x="1368833" y="1722931"/>
-                    <a:pt x="1316641" y="1760509"/>
-                  </a:cubicBezTo>
-                  <a:cubicBezTo>
-                    <a:pt x="1264449" y="1798087"/>
-                    <a:pt x="1238353" y="1825228"/>
-                    <a:pt x="1185117" y="1848192"/>
-                  </a:cubicBezTo>
-                  <a:cubicBezTo>
-                    <a:pt x="1131881" y="1871156"/>
-                    <a:pt x="1074471" y="1887858"/>
-                    <a:pt x="997227" y="1898296"/>
-                  </a:cubicBezTo>
-                  <a:cubicBezTo>
-                    <a:pt x="919983" y="1908734"/>
-                    <a:pt x="810380" y="1908734"/>
-                    <a:pt x="721654" y="1910822"/>
-                  </a:cubicBezTo>
-                  <a:cubicBezTo>
-                    <a:pt x="632928" y="1912910"/>
-                    <a:pt x="464871" y="1910822"/>
-                    <a:pt x="464871" y="1910822"/>
-                  </a:cubicBezTo>
-                  <a:cubicBezTo>
-                    <a:pt x="390759" y="1910822"/>
-                    <a:pt x="331259" y="1918129"/>
-                    <a:pt x="276980" y="1910822"/>
-                  </a:cubicBezTo>
-                  <a:cubicBezTo>
-                    <a:pt x="222701" y="1903515"/>
-                    <a:pt x="173640" y="1892033"/>
-                    <a:pt x="139194" y="1866981"/>
-                  </a:cubicBezTo>
-                  <a:cubicBezTo>
-                    <a:pt x="104748" y="1841929"/>
-                    <a:pt x="84915" y="1799131"/>
-                    <a:pt x="70301" y="1760509"/>
-                  </a:cubicBezTo>
-                  <a:cubicBezTo>
-                    <a:pt x="55687" y="1721887"/>
-                    <a:pt x="53600" y="1706230"/>
-                    <a:pt x="51512" y="1635249"/>
-                  </a:cubicBezTo>
-                  <a:cubicBezTo>
-                    <a:pt x="49424" y="1564268"/>
-                    <a:pt x="58819" y="1427525"/>
-                    <a:pt x="57775" y="1334624"/>
-                  </a:cubicBezTo>
-                  <a:cubicBezTo>
-                    <a:pt x="56731" y="1241723"/>
-                    <a:pt x="50468" y="1142559"/>
-                    <a:pt x="45249" y="1077841"/>
-                  </a:cubicBezTo>
-                  <a:cubicBezTo>
-                    <a:pt x="40030" y="1013123"/>
-                    <a:pt x="33767" y="1000597"/>
-                    <a:pt x="26460" y="946318"/>
-                  </a:cubicBezTo>
-                  <a:cubicBezTo>
-                    <a:pt x="19153" y="892039"/>
-                    <a:pt x="4539" y="808531"/>
-                    <a:pt x="1408" y="752164"/>
-                  </a:cubicBezTo>
-                  <a:cubicBezTo>
-                    <a:pt x="-1723" y="695797"/>
-                    <a:pt x="364" y="654044"/>
-                    <a:pt x="7671" y="608115"/>
-                  </a:cubicBezTo>
-                  <a:cubicBezTo>
-                    <a:pt x="14978" y="562186"/>
-                    <a:pt x="25416" y="523565"/>
-                    <a:pt x="45249" y="476592"/>
-                  </a:cubicBezTo>
-                  <a:cubicBezTo>
-                    <a:pt x="65082" y="429619"/>
-                    <a:pt x="89090" y="378471"/>
-                    <a:pt x="126668" y="326279"/>
-                  </a:cubicBezTo>
-                  <a:cubicBezTo>
-                    <a:pt x="164246" y="274087"/>
-                    <a:pt x="215394" y="206238"/>
-                    <a:pt x="270717" y="163441"/>
-                  </a:cubicBezTo>
-                  <a:cubicBezTo>
-                    <a:pt x="326040" y="120644"/>
-                    <a:pt x="390759" y="94548"/>
-                    <a:pt x="458608" y="69496"/>
-                  </a:cubicBezTo>
-                  <a:cubicBezTo>
-                    <a:pt x="526457" y="44444"/>
-                    <a:pt x="576561" y="24611"/>
-                    <a:pt x="677813" y="13129"/>
-                  </a:cubicBezTo>
-                  <a:cubicBezTo>
-                    <a:pt x="779065" y="1647"/>
-                    <a:pt x="946079" y="-1485"/>
-                    <a:pt x="1066120" y="603"/>
-                  </a:cubicBezTo>
-                  <a:cubicBezTo>
-                    <a:pt x="1186161" y="2691"/>
-                    <a:pt x="1398060" y="25655"/>
-                    <a:pt x="1398060" y="25655"/>
-                  </a:cubicBezTo>
-                  <a:cubicBezTo>
-                    <a:pt x="1498268" y="32962"/>
-                    <a:pt x="1560898" y="32962"/>
-                    <a:pt x="1667369" y="44444"/>
-                  </a:cubicBezTo>
-                  <a:cubicBezTo>
-                    <a:pt x="1773840" y="55926"/>
-                    <a:pt x="1919977" y="76803"/>
-                    <a:pt x="2036887" y="94548"/>
-                  </a:cubicBezTo>
-                  <a:cubicBezTo>
-                    <a:pt x="2153797" y="112293"/>
-                    <a:pt x="2292627" y="132126"/>
-                    <a:pt x="2368827" y="150915"/>
-                  </a:cubicBezTo>
-                  <a:cubicBezTo>
-                    <a:pt x="2445027" y="169704"/>
-                    <a:pt x="2461728" y="189537"/>
-                    <a:pt x="2494087" y="207282"/>
-                  </a:cubicBezTo>
-                  <a:cubicBezTo>
-                    <a:pt x="2526446" y="225027"/>
-                    <a:pt x="2546279" y="236509"/>
-                    <a:pt x="2562980" y="257386"/>
-                  </a:cubicBezTo>
-                  <a:cubicBezTo>
-                    <a:pt x="2579681" y="278263"/>
-                    <a:pt x="2589077" y="300183"/>
-                    <a:pt x="2594296" y="332542"/>
-                  </a:cubicBezTo>
-                  <a:cubicBezTo>
-                    <a:pt x="2599515" y="364901"/>
-                    <a:pt x="2618304" y="398303"/>
-                    <a:pt x="2594296" y="451539"/>
-                  </a:cubicBezTo>
-                  <a:cubicBezTo>
-                    <a:pt x="2570288" y="504775"/>
-                    <a:pt x="2514964" y="574712"/>
-                    <a:pt x="2450246" y="651956"/>
-                  </a:cubicBezTo>
-                  <a:cubicBezTo>
-                    <a:pt x="2385528" y="729200"/>
-                    <a:pt x="2205989" y="915003"/>
-                    <a:pt x="2205989" y="915003"/>
-                  </a:cubicBezTo>
-                  <a:cubicBezTo>
-                    <a:pt x="2142315" y="983896"/>
-                    <a:pt x="2106824" y="1021474"/>
-                    <a:pt x="2068202" y="1065315"/>
-                  </a:cubicBezTo>
-                  <a:cubicBezTo>
-                    <a:pt x="2029580" y="1109156"/>
-                    <a:pt x="2003484" y="1145690"/>
-                    <a:pt x="1974257" y="1178049"/>
-                  </a:cubicBezTo>
-                  <a:cubicBezTo>
-                    <a:pt x="1945030" y="1210408"/>
-                    <a:pt x="1965906" y="1191619"/>
-                    <a:pt x="1886575" y="1265731"/>
-                  </a:cubicBezTo>
-                  <a:close/>
-                </a:path>
-              </a:pathLst>
-            </a:custGeom>
-            <a:noFill/>
-            <a:ln w="28575">
-              <a:solidFill>
-                <a:schemeClr val="bg1">
-                  <a:lumMod val="50000"/>
-                </a:schemeClr>
-              </a:solidFill>
-              <a:prstDash val="sysDash"/>
-            </a:ln>
-          </p:spPr>
-          <p:style>
-            <a:lnRef idx="2">
-              <a:schemeClr val="accent1">
-                <a:shade val="15000"/>
-              </a:schemeClr>
-            </a:lnRef>
-            <a:fillRef idx="1">
-              <a:schemeClr val="accent1"/>
-            </a:fillRef>
-            <a:effectRef idx="0">
-              <a:schemeClr val="accent1"/>
-            </a:effectRef>
-            <a:fontRef idx="minor">
-              <a:schemeClr val="lt1"/>
-            </a:fontRef>
-          </p:style>
-          <p:txBody>
-            <a:bodyPr rtlCol="0" anchor="ctr"/>
-            <a:lstStyle/>
-            <a:p>
-              <a:pPr algn="ctr"/>
-              <a:endParaRPr lang="en-US"/>
-            </a:p>
-          </p:txBody>
-        </p:sp>
-        <p:sp>
-          <p:nvSpPr>
             <p:cNvPr id="259" name="Multiplication Sign 258">
               <a:extLst>
                 <a:ext uri="{FF2B5EF4-FFF2-40B4-BE49-F238E27FC236}">
@@ -14431,8 +14020,8 @@
         </p:nvSpPr>
         <p:spPr>
           <a:xfrm>
-            <a:off x="8936043" y="3913632"/>
-            <a:ext cx="620581" cy="461665"/>
+            <a:off x="8961120" y="3931920"/>
+            <a:ext cx="752639" cy="430887"/>
           </a:xfrm>
           <a:prstGeom prst="rect">
             <a:avLst/>
@@ -14447,8 +14036,11 @@
           <a:p>
             <a:pPr algn="ctr"/>
             <a:r>
-              <a:rPr lang="en-US" sz="2400" b="1" dirty="0"/>
-              <a:t>(b)</a:t>
+              <a:rPr lang="en-US" sz="2200" b="1" dirty="0">
+                <a:latin typeface="MS Gothic" panose="020B0609070205080204" pitchFamily="49" charset="-128"/>
+                <a:ea typeface="MS Gothic" panose="020B0609070205080204" pitchFamily="49" charset="-128"/>
+              </a:rPr>
+              <a:t>(Ⅱ)</a:t>
             </a:r>
           </a:p>
         </p:txBody>
@@ -14467,8 +14059,8 @@
         </p:nvSpPr>
         <p:spPr>
           <a:xfrm>
-            <a:off x="13235263" y="3913632"/>
-            <a:ext cx="620581" cy="461665"/>
+            <a:off x="13258800" y="3931920"/>
+            <a:ext cx="839936" cy="430887"/>
           </a:xfrm>
           <a:prstGeom prst="rect">
             <a:avLst/>
@@ -14483,8 +14075,11 @@
           <a:p>
             <a:pPr algn="ctr"/>
             <a:r>
-              <a:rPr lang="en-US" sz="2400" b="1" dirty="0"/>
-              <a:t>(c)</a:t>
+              <a:rPr lang="en-US" sz="2200" b="1" dirty="0">
+                <a:latin typeface="MS Gothic" panose="020B0609070205080204" pitchFamily="49" charset="-128"/>
+                <a:ea typeface="MS Gothic" panose="020B0609070205080204" pitchFamily="49" charset="-128"/>
+              </a:rPr>
+              <a:t>(Ⅲ)</a:t>
             </a:r>
           </a:p>
         </p:txBody>
@@ -14503,8 +14098,8 @@
         </p:nvSpPr>
         <p:spPr>
           <a:xfrm>
-            <a:off x="17518685" y="3913632"/>
-            <a:ext cx="620581" cy="461665"/>
+            <a:off x="17556480" y="3931920"/>
+            <a:ext cx="752639" cy="430887"/>
           </a:xfrm>
           <a:prstGeom prst="rect">
             <a:avLst/>
@@ -14519,9 +14114,360 @@
           <a:p>
             <a:pPr algn="ctr"/>
             <a:r>
-              <a:rPr lang="en-US" sz="2400" b="1" dirty="0"/>
-              <a:t>(d)</a:t>
+              <a:rPr lang="en-US" sz="2200" b="1" dirty="0">
+                <a:latin typeface="MS Gothic" panose="020B0609070205080204" pitchFamily="49" charset="-128"/>
+                <a:ea typeface="MS Gothic" panose="020B0609070205080204" pitchFamily="49" charset="-128"/>
+              </a:rPr>
+              <a:t>(Ⅳ)</a:t>
             </a:r>
+          </a:p>
+        </p:txBody>
+      </p:sp>
+      <p:sp>
+        <p:nvSpPr>
+          <p:cNvPr id="27" name="Freeform: Shape 26">
+            <a:extLst>
+              <a:ext uri="{FF2B5EF4-FFF2-40B4-BE49-F238E27FC236}">
+                <a16:creationId xmlns:a16="http://schemas.microsoft.com/office/drawing/2014/main" id="{096E7509-35A2-9DFA-0952-BD663BD9D1CD}"/>
+              </a:ext>
+            </a:extLst>
+          </p:cNvPr>
+          <p:cNvSpPr/>
+          <p:nvPr/>
+        </p:nvSpPr>
+        <p:spPr>
+          <a:xfrm>
+            <a:off x="7276050" y="336976"/>
+            <a:ext cx="2643273" cy="1797168"/>
+          </a:xfrm>
+          <a:custGeom>
+            <a:avLst/>
+            <a:gdLst>
+              <a:gd name="connsiteX0" fmla="*/ 1600321 w 2643273"/>
+              <a:gd name="connsiteY0" fmla="*/ 81195 h 1797168"/>
+              <a:gd name="connsiteX1" fmla="*/ 1951584 w 2643273"/>
+              <a:gd name="connsiteY1" fmla="*/ 109073 h 1797168"/>
+              <a:gd name="connsiteX2" fmla="*/ 2302848 w 2643273"/>
+              <a:gd name="connsiteY2" fmla="*/ 153678 h 1797168"/>
+              <a:gd name="connsiteX3" fmla="*/ 2525872 w 2643273"/>
+              <a:gd name="connsiteY3" fmla="*/ 220585 h 1797168"/>
+              <a:gd name="connsiteX4" fmla="*/ 2637384 w 2643273"/>
+              <a:gd name="connsiteY4" fmla="*/ 320946 h 1797168"/>
+              <a:gd name="connsiteX5" fmla="*/ 2603930 w 2643273"/>
+              <a:gd name="connsiteY5" fmla="*/ 516092 h 1797168"/>
+              <a:gd name="connsiteX6" fmla="*/ 2403209 w 2643273"/>
+              <a:gd name="connsiteY6" fmla="*/ 794873 h 1797168"/>
+              <a:gd name="connsiteX7" fmla="*/ 2096550 w 2643273"/>
+              <a:gd name="connsiteY7" fmla="*/ 1134985 h 1797168"/>
+              <a:gd name="connsiteX8" fmla="*/ 1884677 w 2643273"/>
+              <a:gd name="connsiteY8" fmla="*/ 1341283 h 1797168"/>
+              <a:gd name="connsiteX9" fmla="*/ 1650501 w 2643273"/>
+              <a:gd name="connsiteY9" fmla="*/ 1564307 h 1797168"/>
+              <a:gd name="connsiteX10" fmla="*/ 1438628 w 2643273"/>
+              <a:gd name="connsiteY10" fmla="*/ 1709273 h 1797168"/>
+              <a:gd name="connsiteX11" fmla="*/ 1221179 w 2643273"/>
+              <a:gd name="connsiteY11" fmla="*/ 1753878 h 1797168"/>
+              <a:gd name="connsiteX12" fmla="*/ 864340 w 2643273"/>
+              <a:gd name="connsiteY12" fmla="*/ 1776180 h 1797168"/>
+              <a:gd name="connsiteX13" fmla="*/ 501926 w 2643273"/>
+              <a:gd name="connsiteY13" fmla="*/ 1787331 h 1797168"/>
+              <a:gd name="connsiteX14" fmla="*/ 239872 w 2643273"/>
+              <a:gd name="connsiteY14" fmla="*/ 1792907 h 1797168"/>
+              <a:gd name="connsiteX15" fmla="*/ 94906 w 2643273"/>
+              <a:gd name="connsiteY15" fmla="*/ 1720424 h 1797168"/>
+              <a:gd name="connsiteX16" fmla="*/ 39150 w 2643273"/>
+              <a:gd name="connsiteY16" fmla="*/ 1592185 h 1797168"/>
+              <a:gd name="connsiteX17" fmla="*/ 11272 w 2643273"/>
+              <a:gd name="connsiteY17" fmla="*/ 1358009 h 1797168"/>
+              <a:gd name="connsiteX18" fmla="*/ 5696 w 2643273"/>
+              <a:gd name="connsiteY18" fmla="*/ 1151712 h 1797168"/>
+              <a:gd name="connsiteX19" fmla="*/ 121 w 2643273"/>
+              <a:gd name="connsiteY19" fmla="*/ 833902 h 1797168"/>
+              <a:gd name="connsiteX20" fmla="*/ 11272 w 2643273"/>
+              <a:gd name="connsiteY20" fmla="*/ 610878 h 1797168"/>
+              <a:gd name="connsiteX21" fmla="*/ 50301 w 2643273"/>
+              <a:gd name="connsiteY21" fmla="*/ 410156 h 1797168"/>
+              <a:gd name="connsiteX22" fmla="*/ 161813 w 2643273"/>
+              <a:gd name="connsiteY22" fmla="*/ 148102 h 1797168"/>
+              <a:gd name="connsiteX23" fmla="*/ 273326 w 2643273"/>
+              <a:gd name="connsiteY23" fmla="*/ 42165 h 1797168"/>
+              <a:gd name="connsiteX24" fmla="*/ 446170 w 2643273"/>
+              <a:gd name="connsiteY24" fmla="*/ 3136 h 1797168"/>
+              <a:gd name="connsiteX25" fmla="*/ 763979 w 2643273"/>
+              <a:gd name="connsiteY25" fmla="*/ 8712 h 1797168"/>
+              <a:gd name="connsiteX26" fmla="*/ 1249057 w 2643273"/>
+              <a:gd name="connsiteY26" fmla="*/ 58892 h 1797168"/>
+              <a:gd name="connsiteX27" fmla="*/ 1600321 w 2643273"/>
+              <a:gd name="connsiteY27" fmla="*/ 81195 h 1797168"/>
+            </a:gdLst>
+            <a:ahLst/>
+            <a:cxnLst>
+              <a:cxn ang="0">
+                <a:pos x="connsiteX0" y="connsiteY0"/>
+              </a:cxn>
+              <a:cxn ang="0">
+                <a:pos x="connsiteX1" y="connsiteY1"/>
+              </a:cxn>
+              <a:cxn ang="0">
+                <a:pos x="connsiteX2" y="connsiteY2"/>
+              </a:cxn>
+              <a:cxn ang="0">
+                <a:pos x="connsiteX3" y="connsiteY3"/>
+              </a:cxn>
+              <a:cxn ang="0">
+                <a:pos x="connsiteX4" y="connsiteY4"/>
+              </a:cxn>
+              <a:cxn ang="0">
+                <a:pos x="connsiteX5" y="connsiteY5"/>
+              </a:cxn>
+              <a:cxn ang="0">
+                <a:pos x="connsiteX6" y="connsiteY6"/>
+              </a:cxn>
+              <a:cxn ang="0">
+                <a:pos x="connsiteX7" y="connsiteY7"/>
+              </a:cxn>
+              <a:cxn ang="0">
+                <a:pos x="connsiteX8" y="connsiteY8"/>
+              </a:cxn>
+              <a:cxn ang="0">
+                <a:pos x="connsiteX9" y="connsiteY9"/>
+              </a:cxn>
+              <a:cxn ang="0">
+                <a:pos x="connsiteX10" y="connsiteY10"/>
+              </a:cxn>
+              <a:cxn ang="0">
+                <a:pos x="connsiteX11" y="connsiteY11"/>
+              </a:cxn>
+              <a:cxn ang="0">
+                <a:pos x="connsiteX12" y="connsiteY12"/>
+              </a:cxn>
+              <a:cxn ang="0">
+                <a:pos x="connsiteX13" y="connsiteY13"/>
+              </a:cxn>
+              <a:cxn ang="0">
+                <a:pos x="connsiteX14" y="connsiteY14"/>
+              </a:cxn>
+              <a:cxn ang="0">
+                <a:pos x="connsiteX15" y="connsiteY15"/>
+              </a:cxn>
+              <a:cxn ang="0">
+                <a:pos x="connsiteX16" y="connsiteY16"/>
+              </a:cxn>
+              <a:cxn ang="0">
+                <a:pos x="connsiteX17" y="connsiteY17"/>
+              </a:cxn>
+              <a:cxn ang="0">
+                <a:pos x="connsiteX18" y="connsiteY18"/>
+              </a:cxn>
+              <a:cxn ang="0">
+                <a:pos x="connsiteX19" y="connsiteY19"/>
+              </a:cxn>
+              <a:cxn ang="0">
+                <a:pos x="connsiteX20" y="connsiteY20"/>
+              </a:cxn>
+              <a:cxn ang="0">
+                <a:pos x="connsiteX21" y="connsiteY21"/>
+              </a:cxn>
+              <a:cxn ang="0">
+                <a:pos x="connsiteX22" y="connsiteY22"/>
+              </a:cxn>
+              <a:cxn ang="0">
+                <a:pos x="connsiteX23" y="connsiteY23"/>
+              </a:cxn>
+              <a:cxn ang="0">
+                <a:pos x="connsiteX24" y="connsiteY24"/>
+              </a:cxn>
+              <a:cxn ang="0">
+                <a:pos x="connsiteX25" y="connsiteY25"/>
+              </a:cxn>
+              <a:cxn ang="0">
+                <a:pos x="connsiteX26" y="connsiteY26"/>
+              </a:cxn>
+              <a:cxn ang="0">
+                <a:pos x="connsiteX27" y="connsiteY27"/>
+              </a:cxn>
+            </a:cxnLst>
+            <a:rect l="l" t="t" r="r" b="b"/>
+            <a:pathLst>
+              <a:path w="2643273" h="1797168">
+                <a:moveTo>
+                  <a:pt x="1600321" y="81195"/>
+                </a:moveTo>
+                <a:cubicBezTo>
+                  <a:pt x="1717408" y="89094"/>
+                  <a:pt x="1834496" y="96993"/>
+                  <a:pt x="1951584" y="109073"/>
+                </a:cubicBezTo>
+                <a:cubicBezTo>
+                  <a:pt x="2068672" y="121153"/>
+                  <a:pt x="2207133" y="135093"/>
+                  <a:pt x="2302848" y="153678"/>
+                </a:cubicBezTo>
+                <a:cubicBezTo>
+                  <a:pt x="2398563" y="172263"/>
+                  <a:pt x="2470116" y="192707"/>
+                  <a:pt x="2525872" y="220585"/>
+                </a:cubicBezTo>
+                <a:cubicBezTo>
+                  <a:pt x="2581628" y="248463"/>
+                  <a:pt x="2624374" y="271695"/>
+                  <a:pt x="2637384" y="320946"/>
+                </a:cubicBezTo>
+                <a:cubicBezTo>
+                  <a:pt x="2650394" y="370197"/>
+                  <a:pt x="2642959" y="437104"/>
+                  <a:pt x="2603930" y="516092"/>
+                </a:cubicBezTo>
+                <a:cubicBezTo>
+                  <a:pt x="2564901" y="595080"/>
+                  <a:pt x="2487772" y="691724"/>
+                  <a:pt x="2403209" y="794873"/>
+                </a:cubicBezTo>
+                <a:cubicBezTo>
+                  <a:pt x="2318646" y="898022"/>
+                  <a:pt x="2182972" y="1043917"/>
+                  <a:pt x="2096550" y="1134985"/>
+                </a:cubicBezTo>
+                <a:cubicBezTo>
+                  <a:pt x="2010128" y="1226053"/>
+                  <a:pt x="1959018" y="1269729"/>
+                  <a:pt x="1884677" y="1341283"/>
+                </a:cubicBezTo>
+                <a:cubicBezTo>
+                  <a:pt x="1810336" y="1412837"/>
+                  <a:pt x="1724842" y="1502975"/>
+                  <a:pt x="1650501" y="1564307"/>
+                </a:cubicBezTo>
+                <a:cubicBezTo>
+                  <a:pt x="1576160" y="1625639"/>
+                  <a:pt x="1510182" y="1677678"/>
+                  <a:pt x="1438628" y="1709273"/>
+                </a:cubicBezTo>
+                <a:cubicBezTo>
+                  <a:pt x="1367074" y="1740868"/>
+                  <a:pt x="1316894" y="1742727"/>
+                  <a:pt x="1221179" y="1753878"/>
+                </a:cubicBezTo>
+                <a:cubicBezTo>
+                  <a:pt x="1125464" y="1765029"/>
+                  <a:pt x="984215" y="1770605"/>
+                  <a:pt x="864340" y="1776180"/>
+                </a:cubicBezTo>
+                <a:cubicBezTo>
+                  <a:pt x="744465" y="1781755"/>
+                  <a:pt x="501926" y="1787331"/>
+                  <a:pt x="501926" y="1787331"/>
+                </a:cubicBezTo>
+                <a:cubicBezTo>
+                  <a:pt x="397848" y="1790119"/>
+                  <a:pt x="307709" y="1804058"/>
+                  <a:pt x="239872" y="1792907"/>
+                </a:cubicBezTo>
+                <a:cubicBezTo>
+                  <a:pt x="172035" y="1781756"/>
+                  <a:pt x="128360" y="1753878"/>
+                  <a:pt x="94906" y="1720424"/>
+                </a:cubicBezTo>
+                <a:cubicBezTo>
+                  <a:pt x="61452" y="1686970"/>
+                  <a:pt x="53089" y="1652588"/>
+                  <a:pt x="39150" y="1592185"/>
+                </a:cubicBezTo>
+                <a:cubicBezTo>
+                  <a:pt x="25211" y="1531782"/>
+                  <a:pt x="16848" y="1431421"/>
+                  <a:pt x="11272" y="1358009"/>
+                </a:cubicBezTo>
+                <a:cubicBezTo>
+                  <a:pt x="5696" y="1284597"/>
+                  <a:pt x="7554" y="1239063"/>
+                  <a:pt x="5696" y="1151712"/>
+                </a:cubicBezTo>
+                <a:cubicBezTo>
+                  <a:pt x="3838" y="1064361"/>
+                  <a:pt x="-808" y="924041"/>
+                  <a:pt x="121" y="833902"/>
+                </a:cubicBezTo>
+                <a:cubicBezTo>
+                  <a:pt x="1050" y="743763"/>
+                  <a:pt x="2909" y="681502"/>
+                  <a:pt x="11272" y="610878"/>
+                </a:cubicBezTo>
+                <a:cubicBezTo>
+                  <a:pt x="19635" y="540254"/>
+                  <a:pt x="25211" y="487285"/>
+                  <a:pt x="50301" y="410156"/>
+                </a:cubicBezTo>
+                <a:cubicBezTo>
+                  <a:pt x="75391" y="333027"/>
+                  <a:pt x="124642" y="209434"/>
+                  <a:pt x="161813" y="148102"/>
+                </a:cubicBezTo>
+                <a:cubicBezTo>
+                  <a:pt x="198984" y="86770"/>
+                  <a:pt x="225933" y="66326"/>
+                  <a:pt x="273326" y="42165"/>
+                </a:cubicBezTo>
+                <a:cubicBezTo>
+                  <a:pt x="320719" y="18004"/>
+                  <a:pt x="364394" y="8712"/>
+                  <a:pt x="446170" y="3136"/>
+                </a:cubicBezTo>
+                <a:cubicBezTo>
+                  <a:pt x="527946" y="-2440"/>
+                  <a:pt x="630164" y="-581"/>
+                  <a:pt x="763979" y="8712"/>
+                </a:cubicBezTo>
+                <a:cubicBezTo>
+                  <a:pt x="897793" y="18005"/>
+                  <a:pt x="1249057" y="58892"/>
+                  <a:pt x="1249057" y="58892"/>
+                </a:cubicBezTo>
+                <a:lnTo>
+                  <a:pt x="1600321" y="81195"/>
+                </a:lnTo>
+                <a:close/>
+              </a:path>
+            </a:pathLst>
+          </a:custGeom>
+          <a:noFill/>
+          <a:ln w="28575">
+            <a:solidFill>
+              <a:schemeClr val="bg1">
+                <a:lumMod val="50000"/>
+              </a:schemeClr>
+            </a:solidFill>
+            <a:prstDash val="sysDash"/>
+          </a:ln>
+        </p:spPr>
+        <p:style>
+          <a:lnRef idx="2">
+            <a:schemeClr val="accent1">
+              <a:shade val="15000"/>
+            </a:schemeClr>
+          </a:lnRef>
+          <a:fillRef idx="1">
+            <a:schemeClr val="accent1"/>
+          </a:fillRef>
+          <a:effectRef idx="0">
+            <a:schemeClr val="accent1"/>
+          </a:effectRef>
+          <a:fontRef idx="minor">
+            <a:schemeClr val="lt1"/>
+          </a:fontRef>
+        </p:style>
+        <p:txBody>
+          <a:bodyPr rtlCol="0" anchor="ctr"/>
+          <a:lstStyle/>
+          <a:p>
+            <a:pPr algn="ctr"/>
+            <a:endParaRPr lang="en-US">
+              <a:ln w="28575">
+                <a:solidFill>
+                  <a:schemeClr val="tx1"/>
+                </a:solidFill>
+              </a:ln>
+            </a:endParaRPr>
           </a:p>
         </p:txBody>
       </p:sp>
